--- a/documentation/Decomposition presentation.pptx
+++ b/documentation/Decomposition presentation.pptx
@@ -5,7 +5,7 @@
     <p:sldMasterId id="2147483648" r:id="rId1"/>
   </p:sldMasterIdLst>
   <p:notesMasterIdLst>
-    <p:notesMasterId r:id="rId31"/>
+    <p:notesMasterId r:id="rId32"/>
   </p:notesMasterIdLst>
   <p:sldIdLst>
     <p:sldId id="256" r:id="rId2"/>
@@ -28,15 +28,16 @@
     <p:sldId id="267" r:id="rId19"/>
     <p:sldId id="269" r:id="rId20"/>
     <p:sldId id="284" r:id="rId21"/>
-    <p:sldId id="276" r:id="rId22"/>
-    <p:sldId id="275" r:id="rId23"/>
-    <p:sldId id="277" r:id="rId24"/>
-    <p:sldId id="278" r:id="rId25"/>
-    <p:sldId id="279" r:id="rId26"/>
-    <p:sldId id="280" r:id="rId27"/>
-    <p:sldId id="281" r:id="rId28"/>
-    <p:sldId id="282" r:id="rId29"/>
-    <p:sldId id="283" r:id="rId30"/>
+    <p:sldId id="285" r:id="rId22"/>
+    <p:sldId id="276" r:id="rId23"/>
+    <p:sldId id="275" r:id="rId24"/>
+    <p:sldId id="277" r:id="rId25"/>
+    <p:sldId id="278" r:id="rId26"/>
+    <p:sldId id="279" r:id="rId27"/>
+    <p:sldId id="280" r:id="rId28"/>
+    <p:sldId id="281" r:id="rId29"/>
+    <p:sldId id="282" r:id="rId30"/>
+    <p:sldId id="283" r:id="rId31"/>
   </p:sldIdLst>
   <p:sldSz cx="12192000" cy="6858000"/>
   <p:notesSz cx="6858000" cy="9144000"/>
@@ -1216,7 +1217,7 @@
           <a:p>
             <a:fld id="{C48BEF67-7385-4815-9633-10AAFCD13A6C}" type="datetimeFigureOut">
               <a:rPr lang="en-SG" smtClean="0"/>
-              <a:t>5/12/2022</a:t>
+              <a:t>7/12/2022</a:t>
             </a:fld>
             <a:endParaRPr lang="en-SG"/>
           </a:p>
@@ -1596,6 +1597,94 @@
 </p:notes>
 </file>
 
+<file path=ppt/notesSlides/notesSlide10.xml><?xml version="1.0" encoding="utf-8"?>
+<p:notes xmlns:a="http://schemas.openxmlformats.org/drawingml/2006/main" xmlns:r="http://schemas.openxmlformats.org/officeDocument/2006/relationships" xmlns:p="http://schemas.openxmlformats.org/presentationml/2006/main">
+  <p:cSld>
+    <p:spTree>
+      <p:nvGrpSpPr>
+        <p:cNvPr id="1" name=""/>
+        <p:cNvGrpSpPr/>
+        <p:nvPr/>
+      </p:nvGrpSpPr>
+      <p:grpSpPr>
+        <a:xfrm>
+          <a:off x="0" y="0"/>
+          <a:ext cx="0" cy="0"/>
+          <a:chOff x="0" y="0"/>
+          <a:chExt cx="0" cy="0"/>
+        </a:xfrm>
+      </p:grpSpPr>
+      <p:sp>
+        <p:nvSpPr>
+          <p:cNvPr id="2" name="Slide Image Placeholder 1"/>
+          <p:cNvSpPr>
+            <a:spLocks noGrp="1" noRot="1" noChangeAspect="1"/>
+          </p:cNvSpPr>
+          <p:nvPr>
+            <p:ph type="sldImg"/>
+          </p:nvPr>
+        </p:nvSpPr>
+        <p:spPr/>
+      </p:sp>
+      <p:sp>
+        <p:nvSpPr>
+          <p:cNvPr id="3" name="Notes Placeholder 2"/>
+          <p:cNvSpPr>
+            <a:spLocks noGrp="1"/>
+          </p:cNvSpPr>
+          <p:nvPr>
+            <p:ph type="body" idx="1"/>
+          </p:nvPr>
+        </p:nvSpPr>
+        <p:spPr/>
+        <p:txBody>
+          <a:bodyPr/>
+          <a:lstStyle/>
+          <a:p>
+            <a:r>
+              <a:rPr lang="en-US" dirty="0"/>
+              <a:t>LMDI satisfies 1,2 and 4 in the above.</a:t>
+            </a:r>
+            <a:endParaRPr lang="en-SG" dirty="0"/>
+          </a:p>
+        </p:txBody>
+      </p:sp>
+      <p:sp>
+        <p:nvSpPr>
+          <p:cNvPr id="4" name="Slide Number Placeholder 3"/>
+          <p:cNvSpPr>
+            <a:spLocks noGrp="1"/>
+          </p:cNvSpPr>
+          <p:nvPr>
+            <p:ph type="sldNum" sz="quarter" idx="5"/>
+          </p:nvPr>
+        </p:nvSpPr>
+        <p:spPr/>
+        <p:txBody>
+          <a:bodyPr/>
+          <a:lstStyle/>
+          <a:p>
+            <a:fld id="{08820098-2FC6-49BA-A356-821AF6A570C5}" type="slidenum">
+              <a:rPr lang="en-SG" smtClean="0"/>
+              <a:t>25</a:t>
+            </a:fld>
+            <a:endParaRPr lang="en-SG"/>
+          </a:p>
+        </p:txBody>
+      </p:sp>
+    </p:spTree>
+    <p:extLst>
+      <p:ext uri="{BB962C8B-B14F-4D97-AF65-F5344CB8AC3E}">
+        <p14:creationId xmlns:p14="http://schemas.microsoft.com/office/powerpoint/2010/main" val="1845455665"/>
+      </p:ext>
+    </p:extLst>
+  </p:cSld>
+  <p:clrMapOvr>
+    <a:masterClrMapping/>
+  </p:clrMapOvr>
+</p:notes>
+</file>
+
 <file path=ppt/notesSlides/notesSlide2.xml><?xml version="1.0" encoding="utf-8"?>
 <p:notes xmlns:a="http://schemas.openxmlformats.org/drawingml/2006/main" xmlns:r="http://schemas.openxmlformats.org/officeDocument/2006/relationships" xmlns:p="http://schemas.openxmlformats.org/presentationml/2006/main">
   <p:cSld>
@@ -1642,26 +1731,8 @@
           <a:p>
             <a:r>
               <a:rPr lang="en-US" dirty="0"/>
-              <a:t>Not </a:t>
-            </a:r>
-            <a:r>
-              <a:rPr lang="en-US" dirty="0" err="1"/>
-              <a:t>lmdi</a:t>
-            </a:r>
-            <a:r>
-              <a:rPr lang="en-US" dirty="0"/>
-              <a:t> but their own decomposition method to avoid the technical difficulty of LMDI (theirs is also very technical though)</a:t>
-            </a:r>
-          </a:p>
-          <a:p>
-            <a:endParaRPr lang="en-US" dirty="0"/>
-          </a:p>
-          <a:p>
-            <a:r>
-              <a:rPr lang="en-US" dirty="0"/>
-              <a:t> - The methodology used in ODYSSEE focuses on energy savings as one of the main driver and was developed so as to be consistent with the calculation of energy savings, in particular technical savings and to be easy to understand.</a:t>
-            </a:r>
-            <a:endParaRPr lang="en-SG" dirty="0"/>
+              <a:t>I want to learn how to calculate the actual effects in these bars, using a formula. </a:t>
+            </a:r>
           </a:p>
         </p:txBody>
       </p:sp>
@@ -1682,7 +1753,7 @@
           <a:p>
             <a:fld id="{08820098-2FC6-49BA-A356-821AF6A570C5}" type="slidenum">
               <a:rPr lang="en-SG" smtClean="0"/>
-              <a:t>8</a:t>
+              <a:t>5</a:t>
             </a:fld>
             <a:endParaRPr lang="en-SG"/>
           </a:p>
@@ -1691,7 +1762,7 @@
     </p:spTree>
     <p:extLst>
       <p:ext uri="{BB962C8B-B14F-4D97-AF65-F5344CB8AC3E}">
-        <p14:creationId xmlns:p14="http://schemas.microsoft.com/office/powerpoint/2010/main" val="539654657"/>
+        <p14:creationId xmlns:p14="http://schemas.microsoft.com/office/powerpoint/2010/main" val="1296916905"/>
       </p:ext>
     </p:extLst>
   </p:cSld>
@@ -1745,6 +1816,27 @@
           <a:bodyPr/>
           <a:lstStyle/>
           <a:p>
+            <a:r>
+              <a:rPr lang="en-US" dirty="0"/>
+              <a:t>Not </a:t>
+            </a:r>
+            <a:r>
+              <a:rPr lang="en-US" dirty="0" err="1"/>
+              <a:t>lmdi</a:t>
+            </a:r>
+            <a:r>
+              <a:rPr lang="en-US" dirty="0"/>
+              <a:t> but their own decomposition method to avoid the technical difficulty of LMDI (theirs is also very technical though)</a:t>
+            </a:r>
+          </a:p>
+          <a:p>
+            <a:endParaRPr lang="en-US" dirty="0"/>
+          </a:p>
+          <a:p>
+            <a:r>
+              <a:rPr lang="en-US" dirty="0"/>
+              <a:t> - The methodology used in ODYSSEE focuses on energy savings as one of the main driver and was developed so as to be consistent with the calculation of energy savings, in particular technical savings and to be easy to understand.</a:t>
+            </a:r>
             <a:endParaRPr lang="en-SG" dirty="0"/>
           </a:p>
         </p:txBody>
@@ -1766,7 +1858,7 @@
           <a:p>
             <a:fld id="{08820098-2FC6-49BA-A356-821AF6A570C5}" type="slidenum">
               <a:rPr lang="en-SG" smtClean="0"/>
-              <a:t>9</a:t>
+              <a:t>8</a:t>
             </a:fld>
             <a:endParaRPr lang="en-SG"/>
           </a:p>
@@ -1775,7 +1867,7 @@
     </p:spTree>
     <p:extLst>
       <p:ext uri="{BB962C8B-B14F-4D97-AF65-F5344CB8AC3E}">
-        <p14:creationId xmlns:p14="http://schemas.microsoft.com/office/powerpoint/2010/main" val="285697176"/>
+        <p14:creationId xmlns:p14="http://schemas.microsoft.com/office/powerpoint/2010/main" val="539654657"/>
       </p:ext>
     </p:extLst>
   </p:cSld>
@@ -1829,35 +1921,7 @@
           <a:bodyPr/>
           <a:lstStyle/>
           <a:p>
-            <a:r>
-              <a:rPr lang="en-US" dirty="0"/>
-              <a:t>Look at Activity effect:</a:t>
-            </a:r>
-          </a:p>
-          <a:p>
-            <a:endParaRPr lang="en-US" dirty="0"/>
-          </a:p>
-          <a:p>
-            <a:r>
-              <a:rPr lang="en-US" dirty="0"/>
-              <a:t>For each year, in each sector, we have activity </a:t>
-            </a:r>
-            <a:r>
-              <a:rPr lang="en-US" dirty="0" err="1"/>
-              <a:t>AiT</a:t>
-            </a:r>
-            <a:r>
-              <a:rPr lang="en-US" dirty="0"/>
-              <a:t>. Then Ai0 is the base year activity for that sector. So </a:t>
-            </a:r>
-            <a:r>
-              <a:rPr lang="en-US" dirty="0" err="1"/>
-              <a:t>AiT</a:t>
-            </a:r>
-            <a:r>
-              <a:rPr lang="en-US" dirty="0"/>
-              <a:t>/Ai0 = multiplier for change in Activity (e.g. 2/1 = 2)</a:t>
-            </a:r>
+            <a:endParaRPr lang="en-SG" dirty="0"/>
           </a:p>
         </p:txBody>
       </p:sp>
@@ -1878,7 +1942,7 @@
           <a:p>
             <a:fld id="{08820098-2FC6-49BA-A356-821AF6A570C5}" type="slidenum">
               <a:rPr lang="en-SG" smtClean="0"/>
-              <a:t>14</a:t>
+              <a:t>9</a:t>
             </a:fld>
             <a:endParaRPr lang="en-SG"/>
           </a:p>
@@ -1887,7 +1951,7 @@
     </p:spTree>
     <p:extLst>
       <p:ext uri="{BB962C8B-B14F-4D97-AF65-F5344CB8AC3E}">
-        <p14:creationId xmlns:p14="http://schemas.microsoft.com/office/powerpoint/2010/main" val="3935285523"/>
+        <p14:creationId xmlns:p14="http://schemas.microsoft.com/office/powerpoint/2010/main" val="285697176"/>
       </p:ext>
     </p:extLst>
   </p:cSld>
@@ -1943,9 +2007,33 @@
           <a:p>
             <a:r>
               <a:rPr lang="en-US" dirty="0"/>
-              <a:t>Just like kaya identity the formulae equal out to change in energy</a:t>
-            </a:r>
-            <a:endParaRPr lang="en-SG" dirty="0"/>
+              <a:t>Look at Activity effect:</a:t>
+            </a:r>
+          </a:p>
+          <a:p>
+            <a:endParaRPr lang="en-US" dirty="0"/>
+          </a:p>
+          <a:p>
+            <a:r>
+              <a:rPr lang="en-US" dirty="0"/>
+              <a:t>For each year, in each sector, we have activity </a:t>
+            </a:r>
+            <a:r>
+              <a:rPr lang="en-US" dirty="0" err="1"/>
+              <a:t>AiT</a:t>
+            </a:r>
+            <a:r>
+              <a:rPr lang="en-US" dirty="0"/>
+              <a:t>. Then Ai0 is the base year activity for that sector. So </a:t>
+            </a:r>
+            <a:r>
+              <a:rPr lang="en-US" dirty="0" err="1"/>
+              <a:t>AiT</a:t>
+            </a:r>
+            <a:r>
+              <a:rPr lang="en-US" dirty="0"/>
+              <a:t>/Ai0 = multiplier for change in Activity (e.g. 2/1 = 2)</a:t>
+            </a:r>
           </a:p>
         </p:txBody>
       </p:sp>
@@ -1966,7 +2054,7 @@
           <a:p>
             <a:fld id="{08820098-2FC6-49BA-A356-821AF6A570C5}" type="slidenum">
               <a:rPr lang="en-SG" smtClean="0"/>
-              <a:t>16</a:t>
+              <a:t>14</a:t>
             </a:fld>
             <a:endParaRPr lang="en-SG"/>
           </a:p>
@@ -1975,7 +2063,7 @@
     </p:spTree>
     <p:extLst>
       <p:ext uri="{BB962C8B-B14F-4D97-AF65-F5344CB8AC3E}">
-        <p14:creationId xmlns:p14="http://schemas.microsoft.com/office/powerpoint/2010/main" val="379883439"/>
+        <p14:creationId xmlns:p14="http://schemas.microsoft.com/office/powerpoint/2010/main" val="3935285523"/>
       </p:ext>
     </p:extLst>
   </p:cSld>
@@ -2031,7 +2119,7 @@
           <a:p>
             <a:r>
               <a:rPr lang="en-US" dirty="0"/>
-              <a:t>Cannot remember how this one can be proved</a:t>
+              <a:t>Just like kaya identity the formulae equal out to change in energy</a:t>
             </a:r>
             <a:endParaRPr lang="en-SG" dirty="0"/>
           </a:p>
@@ -2054,7 +2142,7 @@
           <a:p>
             <a:fld id="{08820098-2FC6-49BA-A356-821AF6A570C5}" type="slidenum">
               <a:rPr lang="en-SG" smtClean="0"/>
-              <a:t>17</a:t>
+              <a:t>16</a:t>
             </a:fld>
             <a:endParaRPr lang="en-SG"/>
           </a:p>
@@ -2063,7 +2151,7 @@
     </p:spTree>
     <p:extLst>
       <p:ext uri="{BB962C8B-B14F-4D97-AF65-F5344CB8AC3E}">
-        <p14:creationId xmlns:p14="http://schemas.microsoft.com/office/powerpoint/2010/main" val="3488378408"/>
+        <p14:creationId xmlns:p14="http://schemas.microsoft.com/office/powerpoint/2010/main" val="379883439"/>
       </p:ext>
     </p:extLst>
   </p:cSld>
@@ -2118,20 +2206,10 @@
           <a:lstStyle/>
           <a:p>
             <a:r>
-              <a:rPr lang="en-US" dirty="0" err="1"/>
-              <a:t>Virang</a:t>
-            </a:r>
-            <a:r>
               <a:rPr lang="en-US" dirty="0"/>
-              <a:t> has also got a tool</a:t>
-            </a:r>
-            <a:r>
-              <a:rPr lang="en-SG" dirty="0"/>
-              <a:t> for this which may be easier to use</a:t>
-            </a:r>
-          </a:p>
-          <a:p>
-            <a:endParaRPr lang="en-US" dirty="0"/>
+              <a:t>Cannot remember how this one can be proved</a:t>
+            </a:r>
+            <a:endParaRPr lang="en-SG" dirty="0"/>
           </a:p>
         </p:txBody>
       </p:sp>
@@ -2152,7 +2230,7 @@
           <a:p>
             <a:fld id="{08820098-2FC6-49BA-A356-821AF6A570C5}" type="slidenum">
               <a:rPr lang="en-SG" smtClean="0"/>
-              <a:t>22</a:t>
+              <a:t>17</a:t>
             </a:fld>
             <a:endParaRPr lang="en-SG"/>
           </a:p>
@@ -2161,7 +2239,7 @@
     </p:spTree>
     <p:extLst>
       <p:ext uri="{BB962C8B-B14F-4D97-AF65-F5344CB8AC3E}">
-        <p14:creationId xmlns:p14="http://schemas.microsoft.com/office/powerpoint/2010/main" val="2441657155"/>
+        <p14:creationId xmlns:p14="http://schemas.microsoft.com/office/powerpoint/2010/main" val="3488378408"/>
       </p:ext>
     </p:extLst>
   </p:cSld>
@@ -2216,10 +2294,20 @@
           <a:lstStyle/>
           <a:p>
             <a:r>
-              <a:rPr lang="en-US" dirty="0"/>
-              <a:t>LMDI satisfies 1,2 and 4 in the above.</a:t>
-            </a:r>
-            <a:endParaRPr lang="en-SG" dirty="0"/>
+              <a:rPr lang="en-US" b="0" i="0" dirty="0" err="1">
+                <a:effectLst/>
+                <a:latin typeface="Source Serif Pro" panose="02040603050405020204" pitchFamily="18" charset="0"/>
+              </a:rPr>
+              <a:t>Symmetricality</a:t>
+            </a:r>
+            <a:r>
+              <a:rPr lang="en-US" b="0" i="0" dirty="0">
+                <a:effectLst/>
+                <a:latin typeface="Source Serif Pro" panose="02040603050405020204" pitchFamily="18" charset="0"/>
+              </a:rPr>
+              <a:t>: suppose that the value of the prior period is 100 and the value of the subsequent period is 125.  The percent change from the prior period to the subsequent period is 25% (i.e. the quantity increases by 25% from its base value of 100), but the percent change from the subsequent period to the prior period is -20% (i.e. the quantity decreases by 20% from its base value of 125).</a:t>
+            </a:r>
+            <a:endParaRPr lang="en-US" dirty="0"/>
           </a:p>
         </p:txBody>
       </p:sp>
@@ -2240,7 +2328,7 @@
           <a:p>
             <a:fld id="{08820098-2FC6-49BA-A356-821AF6A570C5}" type="slidenum">
               <a:rPr lang="en-SG" smtClean="0"/>
-              <a:t>24</a:t>
+              <a:t>21</a:t>
             </a:fld>
             <a:endParaRPr lang="en-SG"/>
           </a:p>
@@ -2249,7 +2337,105 @@
     </p:spTree>
     <p:extLst>
       <p:ext uri="{BB962C8B-B14F-4D97-AF65-F5344CB8AC3E}">
-        <p14:creationId xmlns:p14="http://schemas.microsoft.com/office/powerpoint/2010/main" val="1845455665"/>
+        <p14:creationId xmlns:p14="http://schemas.microsoft.com/office/powerpoint/2010/main" val="3711158923"/>
+      </p:ext>
+    </p:extLst>
+  </p:cSld>
+  <p:clrMapOvr>
+    <a:masterClrMapping/>
+  </p:clrMapOvr>
+</p:notes>
+</file>
+
+<file path=ppt/notesSlides/notesSlide9.xml><?xml version="1.0" encoding="utf-8"?>
+<p:notes xmlns:a="http://schemas.openxmlformats.org/drawingml/2006/main" xmlns:r="http://schemas.openxmlformats.org/officeDocument/2006/relationships" xmlns:p="http://schemas.openxmlformats.org/presentationml/2006/main">
+  <p:cSld>
+    <p:spTree>
+      <p:nvGrpSpPr>
+        <p:cNvPr id="1" name=""/>
+        <p:cNvGrpSpPr/>
+        <p:nvPr/>
+      </p:nvGrpSpPr>
+      <p:grpSpPr>
+        <a:xfrm>
+          <a:off x="0" y="0"/>
+          <a:ext cx="0" cy="0"/>
+          <a:chOff x="0" y="0"/>
+          <a:chExt cx="0" cy="0"/>
+        </a:xfrm>
+      </p:grpSpPr>
+      <p:sp>
+        <p:nvSpPr>
+          <p:cNvPr id="2" name="Slide Image Placeholder 1"/>
+          <p:cNvSpPr>
+            <a:spLocks noGrp="1" noRot="1" noChangeAspect="1"/>
+          </p:cNvSpPr>
+          <p:nvPr>
+            <p:ph type="sldImg"/>
+          </p:nvPr>
+        </p:nvSpPr>
+        <p:spPr/>
+      </p:sp>
+      <p:sp>
+        <p:nvSpPr>
+          <p:cNvPr id="3" name="Notes Placeholder 2"/>
+          <p:cNvSpPr>
+            <a:spLocks noGrp="1"/>
+          </p:cNvSpPr>
+          <p:nvPr>
+            <p:ph type="body" idx="1"/>
+          </p:nvPr>
+        </p:nvSpPr>
+        <p:spPr/>
+        <p:txBody>
+          <a:bodyPr/>
+          <a:lstStyle/>
+          <a:p>
+            <a:r>
+              <a:rPr lang="en-US" dirty="0" err="1"/>
+              <a:t>Virang</a:t>
+            </a:r>
+            <a:r>
+              <a:rPr lang="en-US" dirty="0"/>
+              <a:t> has also got a tool</a:t>
+            </a:r>
+            <a:r>
+              <a:rPr lang="en-SG" dirty="0"/>
+              <a:t> for this which may be easier to use</a:t>
+            </a:r>
+          </a:p>
+          <a:p>
+            <a:endParaRPr lang="en-US" dirty="0"/>
+          </a:p>
+        </p:txBody>
+      </p:sp>
+      <p:sp>
+        <p:nvSpPr>
+          <p:cNvPr id="4" name="Slide Number Placeholder 3"/>
+          <p:cNvSpPr>
+            <a:spLocks noGrp="1"/>
+          </p:cNvSpPr>
+          <p:nvPr>
+            <p:ph type="sldNum" sz="quarter" idx="5"/>
+          </p:nvPr>
+        </p:nvSpPr>
+        <p:spPr/>
+        <p:txBody>
+          <a:bodyPr/>
+          <a:lstStyle/>
+          <a:p>
+            <a:fld id="{08820098-2FC6-49BA-A356-821AF6A570C5}" type="slidenum">
+              <a:rPr lang="en-SG" smtClean="0"/>
+              <a:t>23</a:t>
+            </a:fld>
+            <a:endParaRPr lang="en-SG"/>
+          </a:p>
+        </p:txBody>
+      </p:sp>
+    </p:spTree>
+    <p:extLst>
+      <p:ext uri="{BB962C8B-B14F-4D97-AF65-F5344CB8AC3E}">
+        <p14:creationId xmlns:p14="http://schemas.microsoft.com/office/powerpoint/2010/main" val="2441657155"/>
       </p:ext>
     </p:extLst>
   </p:cSld>
@@ -2408,7 +2594,7 @@
           <a:p>
             <a:fld id="{601E199B-655C-482F-91CD-1705399CC3B3}" type="datetimeFigureOut">
               <a:rPr lang="en-SG" smtClean="0"/>
-              <a:t>5/12/2022</a:t>
+              <a:t>7/12/2022</a:t>
             </a:fld>
             <a:endParaRPr lang="en-SG"/>
           </a:p>
@@ -2608,7 +2794,7 @@
           <a:p>
             <a:fld id="{601E199B-655C-482F-91CD-1705399CC3B3}" type="datetimeFigureOut">
               <a:rPr lang="en-SG" smtClean="0"/>
-              <a:t>5/12/2022</a:t>
+              <a:t>7/12/2022</a:t>
             </a:fld>
             <a:endParaRPr lang="en-SG"/>
           </a:p>
@@ -2818,7 +3004,7 @@
           <a:p>
             <a:fld id="{601E199B-655C-482F-91CD-1705399CC3B3}" type="datetimeFigureOut">
               <a:rPr lang="en-SG" smtClean="0"/>
-              <a:t>5/12/2022</a:t>
+              <a:t>7/12/2022</a:t>
             </a:fld>
             <a:endParaRPr lang="en-SG"/>
           </a:p>
@@ -3018,7 +3204,7 @@
           <a:p>
             <a:fld id="{601E199B-655C-482F-91CD-1705399CC3B3}" type="datetimeFigureOut">
               <a:rPr lang="en-SG" smtClean="0"/>
-              <a:t>5/12/2022</a:t>
+              <a:t>7/12/2022</a:t>
             </a:fld>
             <a:endParaRPr lang="en-SG"/>
           </a:p>
@@ -3294,7 +3480,7 @@
           <a:p>
             <a:fld id="{601E199B-655C-482F-91CD-1705399CC3B3}" type="datetimeFigureOut">
               <a:rPr lang="en-SG" smtClean="0"/>
-              <a:t>5/12/2022</a:t>
+              <a:t>7/12/2022</a:t>
             </a:fld>
             <a:endParaRPr lang="en-SG"/>
           </a:p>
@@ -3562,7 +3748,7 @@
           <a:p>
             <a:fld id="{601E199B-655C-482F-91CD-1705399CC3B3}" type="datetimeFigureOut">
               <a:rPr lang="en-SG" smtClean="0"/>
-              <a:t>5/12/2022</a:t>
+              <a:t>7/12/2022</a:t>
             </a:fld>
             <a:endParaRPr lang="en-SG"/>
           </a:p>
@@ -3977,7 +4163,7 @@
           <a:p>
             <a:fld id="{601E199B-655C-482F-91CD-1705399CC3B3}" type="datetimeFigureOut">
               <a:rPr lang="en-SG" smtClean="0"/>
-              <a:t>5/12/2022</a:t>
+              <a:t>7/12/2022</a:t>
             </a:fld>
             <a:endParaRPr lang="en-SG"/>
           </a:p>
@@ -4119,7 +4305,7 @@
           <a:p>
             <a:fld id="{601E199B-655C-482F-91CD-1705399CC3B3}" type="datetimeFigureOut">
               <a:rPr lang="en-SG" smtClean="0"/>
-              <a:t>5/12/2022</a:t>
+              <a:t>7/12/2022</a:t>
             </a:fld>
             <a:endParaRPr lang="en-SG"/>
           </a:p>
@@ -4232,7 +4418,7 @@
           <a:p>
             <a:fld id="{601E199B-655C-482F-91CD-1705399CC3B3}" type="datetimeFigureOut">
               <a:rPr lang="en-SG" smtClean="0"/>
-              <a:t>5/12/2022</a:t>
+              <a:t>7/12/2022</a:t>
             </a:fld>
             <a:endParaRPr lang="en-SG"/>
           </a:p>
@@ -4545,7 +4731,7 @@
           <a:p>
             <a:fld id="{601E199B-655C-482F-91CD-1705399CC3B3}" type="datetimeFigureOut">
               <a:rPr lang="en-SG" smtClean="0"/>
-              <a:t>5/12/2022</a:t>
+              <a:t>7/12/2022</a:t>
             </a:fld>
             <a:endParaRPr lang="en-SG"/>
           </a:p>
@@ -4834,7 +5020,7 @@
           <a:p>
             <a:fld id="{601E199B-655C-482F-91CD-1705399CC3B3}" type="datetimeFigureOut">
               <a:rPr lang="en-SG" smtClean="0"/>
-              <a:t>5/12/2022</a:t>
+              <a:t>7/12/2022</a:t>
             </a:fld>
             <a:endParaRPr lang="en-SG"/>
           </a:p>
@@ -5077,7 +5263,7 @@
           <a:p>
             <a:fld id="{601E199B-655C-482F-91CD-1705399CC3B3}" type="datetimeFigureOut">
               <a:rPr lang="en-SG" smtClean="0"/>
-              <a:t>5/12/2022</a:t>
+              <a:t>7/12/2022</a:t>
             </a:fld>
             <a:endParaRPr lang="en-SG"/>
           </a:p>
@@ -9447,6 +9633,141 @@
           <p:cNvPr id="2" name="Title 1">
             <a:extLst>
               <a:ext uri="{FF2B5EF4-FFF2-40B4-BE49-F238E27FC236}">
+                <a16:creationId xmlns:a16="http://schemas.microsoft.com/office/drawing/2014/main" id="{43B342D2-930A-1454-B74D-0C1277878F74}"/>
+              </a:ext>
+            </a:extLst>
+          </p:cNvPr>
+          <p:cNvSpPr>
+            <a:spLocks noGrp="1"/>
+          </p:cNvSpPr>
+          <p:nvPr>
+            <p:ph type="title"/>
+          </p:nvPr>
+        </p:nvSpPr>
+        <p:spPr/>
+        <p:txBody>
+          <a:bodyPr/>
+          <a:lstStyle/>
+          <a:p>
+            <a:r>
+              <a:rPr lang="en-US" dirty="0"/>
+              <a:t>But how does it </a:t>
+            </a:r>
+            <a:r>
+              <a:rPr lang="en-US" i="1" dirty="0"/>
+              <a:t>actually work?</a:t>
+            </a:r>
+          </a:p>
+        </p:txBody>
+      </p:sp>
+      <p:sp>
+        <p:nvSpPr>
+          <p:cNvPr id="3" name="Content Placeholder 2">
+            <a:extLst>
+              <a:ext uri="{FF2B5EF4-FFF2-40B4-BE49-F238E27FC236}">
+                <a16:creationId xmlns:a16="http://schemas.microsoft.com/office/drawing/2014/main" id="{0EC8469D-36E7-4A86-EA99-FC7537618253}"/>
+              </a:ext>
+            </a:extLst>
+          </p:cNvPr>
+          <p:cNvSpPr>
+            <a:spLocks noGrp="1"/>
+          </p:cNvSpPr>
+          <p:nvPr>
+            <p:ph idx="1"/>
+          </p:nvPr>
+        </p:nvSpPr>
+        <p:spPr/>
+        <p:txBody>
+          <a:bodyPr/>
+          <a:lstStyle/>
+          <a:p>
+            <a:r>
+              <a:rPr lang="en-US" dirty="0"/>
+              <a:t>Basically I’m not really sure. But:</a:t>
+            </a:r>
+          </a:p>
+          <a:p>
+            <a:r>
+              <a:rPr lang="en-US" dirty="0"/>
+              <a:t>Take kaya as an example. How does that work? </a:t>
+            </a:r>
+          </a:p>
+          <a:p>
+            <a:r>
+              <a:rPr lang="en-US" dirty="0"/>
+              <a:t>Then apply log mean which has the following properties:</a:t>
+            </a:r>
+          </a:p>
+          <a:p>
+            <a:pPr lvl="1"/>
+            <a:r>
+              <a:rPr lang="en-US" dirty="0"/>
+              <a:t>Requires positive inputs for a, b</a:t>
+            </a:r>
+          </a:p>
+          <a:p>
+            <a:pPr lvl="1"/>
+            <a:r>
+              <a:rPr lang="en-US" dirty="0"/>
+              <a:t>Cancels out log of ln(a/b)</a:t>
+            </a:r>
+          </a:p>
+          <a:p>
+            <a:r>
+              <a:rPr lang="en-US" dirty="0"/>
+              <a:t>Why use ln(a/b)?</a:t>
+            </a:r>
+          </a:p>
+          <a:p>
+            <a:pPr lvl="1"/>
+            <a:r>
+              <a:rPr lang="en-US" dirty="0"/>
+              <a:t>Symmetrical compared to percent change not being symmetrical</a:t>
+            </a:r>
+          </a:p>
+          <a:p>
+            <a:r>
+              <a:rPr lang="en-US" dirty="0"/>
+              <a:t>Why times ln(a/b) by L(E0, E1)? I don’t know but its probably for the same reason as Kaya identity!</a:t>
+            </a:r>
+          </a:p>
+        </p:txBody>
+      </p:sp>
+    </p:spTree>
+    <p:extLst>
+      <p:ext uri="{BB962C8B-B14F-4D97-AF65-F5344CB8AC3E}">
+        <p14:creationId xmlns:p14="http://schemas.microsoft.com/office/powerpoint/2010/main" val="3842596252"/>
+      </p:ext>
+    </p:extLst>
+  </p:cSld>
+  <p:clrMapOvr>
+    <a:masterClrMapping/>
+  </p:clrMapOvr>
+</p:sld>
+</file>
+
+<file path=ppt/slides/slide22.xml><?xml version="1.0" encoding="utf-8"?>
+<p:sld xmlns:a="http://schemas.openxmlformats.org/drawingml/2006/main" xmlns:r="http://schemas.openxmlformats.org/officeDocument/2006/relationships" xmlns:p="http://schemas.openxmlformats.org/presentationml/2006/main">
+  <p:cSld>
+    <p:spTree>
+      <p:nvGrpSpPr>
+        <p:cNvPr id="1" name=""/>
+        <p:cNvGrpSpPr/>
+        <p:nvPr/>
+      </p:nvGrpSpPr>
+      <p:grpSpPr>
+        <a:xfrm>
+          <a:off x="0" y="0"/>
+          <a:ext cx="0" cy="0"/>
+          <a:chOff x="0" y="0"/>
+          <a:chExt cx="0" cy="0"/>
+        </a:xfrm>
+      </p:grpSpPr>
+      <p:sp>
+        <p:nvSpPr>
+          <p:cNvPr id="2" name="Title 1">
+            <a:extLst>
+              <a:ext uri="{FF2B5EF4-FFF2-40B4-BE49-F238E27FC236}">
                 <a16:creationId xmlns:a16="http://schemas.microsoft.com/office/drawing/2014/main" id="{225543AF-DB79-3A02-9A7A-AFB25BA27D82}"/>
               </a:ext>
             </a:extLst>
@@ -9509,7 +9830,7 @@
 </p:sld>
 </file>
 
-<file path=ppt/slides/slide22.xml><?xml version="1.0" encoding="utf-8"?>
+<file path=ppt/slides/slide23.xml><?xml version="1.0" encoding="utf-8"?>
 <p:sld xmlns:a="http://schemas.openxmlformats.org/drawingml/2006/main" xmlns:r="http://schemas.openxmlformats.org/officeDocument/2006/relationships" xmlns:p="http://schemas.openxmlformats.org/presentationml/2006/main">
   <p:cSld>
     <p:spTree>
@@ -9619,126 +9940,6 @@
 </p:sld>
 </file>
 
-<file path=ppt/slides/slide23.xml><?xml version="1.0" encoding="utf-8"?>
-<p:sld xmlns:a="http://schemas.openxmlformats.org/drawingml/2006/main" xmlns:r="http://schemas.openxmlformats.org/officeDocument/2006/relationships" xmlns:p="http://schemas.openxmlformats.org/presentationml/2006/main">
-  <p:cSld>
-    <p:spTree>
-      <p:nvGrpSpPr>
-        <p:cNvPr id="1" name=""/>
-        <p:cNvGrpSpPr/>
-        <p:nvPr/>
-      </p:nvGrpSpPr>
-      <p:grpSpPr>
-        <a:xfrm>
-          <a:off x="0" y="0"/>
-          <a:ext cx="0" cy="0"/>
-          <a:chOff x="0" y="0"/>
-          <a:chExt cx="0" cy="0"/>
-        </a:xfrm>
-      </p:grpSpPr>
-      <p:sp>
-        <p:nvSpPr>
-          <p:cNvPr id="2" name="Title 1">
-            <a:extLst>
-              <a:ext uri="{FF2B5EF4-FFF2-40B4-BE49-F238E27FC236}">
-                <a16:creationId xmlns:a16="http://schemas.microsoft.com/office/drawing/2014/main" id="{2075F94C-87F8-F63F-1559-ACCB6177DF2D}"/>
-              </a:ext>
-            </a:extLst>
-          </p:cNvPr>
-          <p:cNvSpPr>
-            <a:spLocks noGrp="1"/>
-          </p:cNvSpPr>
-          <p:nvPr>
-            <p:ph type="title"/>
-          </p:nvPr>
-        </p:nvSpPr>
-        <p:spPr/>
-        <p:txBody>
-          <a:bodyPr/>
-          <a:lstStyle/>
-          <a:p>
-            <a:r>
-              <a:rPr lang="en-US" dirty="0"/>
-              <a:t>Pretty easy to use if you learn a </a:t>
-            </a:r>
-            <a:r>
-              <a:rPr lang="en-US" i="1" dirty="0"/>
-              <a:t>tiny</a:t>
-            </a:r>
-            <a:r>
-              <a:rPr lang="en-US" dirty="0"/>
-              <a:t> bit of python:</a:t>
-            </a:r>
-            <a:endParaRPr lang="en-SG" dirty="0"/>
-          </a:p>
-        </p:txBody>
-      </p:sp>
-      <p:sp>
-        <p:nvSpPr>
-          <p:cNvPr id="3" name="Content Placeholder 2">
-            <a:extLst>
-              <a:ext uri="{FF2B5EF4-FFF2-40B4-BE49-F238E27FC236}">
-                <a16:creationId xmlns:a16="http://schemas.microsoft.com/office/drawing/2014/main" id="{9620CFC9-F75B-B08A-EC86-1A3E19D359CD}"/>
-              </a:ext>
-            </a:extLst>
-          </p:cNvPr>
-          <p:cNvSpPr>
-            <a:spLocks noGrp="1"/>
-          </p:cNvSpPr>
-          <p:nvPr>
-            <p:ph idx="1"/>
-          </p:nvPr>
-        </p:nvSpPr>
-        <p:spPr/>
-        <p:txBody>
-          <a:bodyPr/>
-          <a:lstStyle/>
-          <a:p>
-            <a:r>
-              <a:rPr lang="en-SG" dirty="0">
-                <a:hlinkClick r:id="rId2"/>
-              </a:rPr>
-              <a:t>https://github.com/asia-pacific-energy-research-centre/PyLMDI</a:t>
-            </a:r>
-            <a:endParaRPr lang="en-SG" dirty="0"/>
-          </a:p>
-          <a:p>
-            <a:pPr lvl="1"/>
-            <a:r>
-              <a:rPr lang="en-SG" dirty="0"/>
-              <a:t>I will also help you since I want this to be a useful library</a:t>
-            </a:r>
-          </a:p>
-          <a:p>
-            <a:pPr lvl="1"/>
-            <a:r>
-              <a:rPr lang="en-SG" dirty="0"/>
-              <a:t>Excel tool is in ./documentation/ folder in that </a:t>
-            </a:r>
-            <a:r>
-              <a:rPr lang="en-SG" dirty="0" err="1"/>
-              <a:t>github</a:t>
-            </a:r>
-            <a:r>
-              <a:rPr lang="en-SG" dirty="0"/>
-              <a:t> library.</a:t>
-            </a:r>
-          </a:p>
-        </p:txBody>
-      </p:sp>
-    </p:spTree>
-    <p:extLst>
-      <p:ext uri="{BB962C8B-B14F-4D97-AF65-F5344CB8AC3E}">
-        <p14:creationId xmlns:p14="http://schemas.microsoft.com/office/powerpoint/2010/main" val="1533182655"/>
-      </p:ext>
-    </p:extLst>
-  </p:cSld>
-  <p:clrMapOvr>
-    <a:masterClrMapping/>
-  </p:clrMapOvr>
-</p:sld>
-</file>
-
 <file path=ppt/slides/slide24.xml><?xml version="1.0" encoding="utf-8"?>
 <p:sld xmlns:a="http://schemas.openxmlformats.org/drawingml/2006/main" xmlns:r="http://schemas.openxmlformats.org/officeDocument/2006/relationships" xmlns:p="http://schemas.openxmlformats.org/presentationml/2006/main">
   <p:cSld>
@@ -9761,6 +9962,126 @@
           <p:cNvPr id="2" name="Title 1">
             <a:extLst>
               <a:ext uri="{FF2B5EF4-FFF2-40B4-BE49-F238E27FC236}">
+                <a16:creationId xmlns:a16="http://schemas.microsoft.com/office/drawing/2014/main" id="{2075F94C-87F8-F63F-1559-ACCB6177DF2D}"/>
+              </a:ext>
+            </a:extLst>
+          </p:cNvPr>
+          <p:cNvSpPr>
+            <a:spLocks noGrp="1"/>
+          </p:cNvSpPr>
+          <p:nvPr>
+            <p:ph type="title"/>
+          </p:nvPr>
+        </p:nvSpPr>
+        <p:spPr/>
+        <p:txBody>
+          <a:bodyPr/>
+          <a:lstStyle/>
+          <a:p>
+            <a:r>
+              <a:rPr lang="en-US" dirty="0"/>
+              <a:t>Pretty easy to use if you learn a </a:t>
+            </a:r>
+            <a:r>
+              <a:rPr lang="en-US" i="1" dirty="0"/>
+              <a:t>tiny</a:t>
+            </a:r>
+            <a:r>
+              <a:rPr lang="en-US" dirty="0"/>
+              <a:t> bit of python:</a:t>
+            </a:r>
+            <a:endParaRPr lang="en-SG" dirty="0"/>
+          </a:p>
+        </p:txBody>
+      </p:sp>
+      <p:sp>
+        <p:nvSpPr>
+          <p:cNvPr id="3" name="Content Placeholder 2">
+            <a:extLst>
+              <a:ext uri="{FF2B5EF4-FFF2-40B4-BE49-F238E27FC236}">
+                <a16:creationId xmlns:a16="http://schemas.microsoft.com/office/drawing/2014/main" id="{9620CFC9-F75B-B08A-EC86-1A3E19D359CD}"/>
+              </a:ext>
+            </a:extLst>
+          </p:cNvPr>
+          <p:cNvSpPr>
+            <a:spLocks noGrp="1"/>
+          </p:cNvSpPr>
+          <p:nvPr>
+            <p:ph idx="1"/>
+          </p:nvPr>
+        </p:nvSpPr>
+        <p:spPr/>
+        <p:txBody>
+          <a:bodyPr/>
+          <a:lstStyle/>
+          <a:p>
+            <a:r>
+              <a:rPr lang="en-SG" dirty="0">
+                <a:hlinkClick r:id="rId2"/>
+              </a:rPr>
+              <a:t>https://github.com/asia-pacific-energy-research-centre/PyLMDI</a:t>
+            </a:r>
+            <a:endParaRPr lang="en-SG" dirty="0"/>
+          </a:p>
+          <a:p>
+            <a:pPr lvl="1"/>
+            <a:r>
+              <a:rPr lang="en-SG" dirty="0"/>
+              <a:t>I will also help you since I want this to be a useful library</a:t>
+            </a:r>
+          </a:p>
+          <a:p>
+            <a:pPr lvl="1"/>
+            <a:r>
+              <a:rPr lang="en-SG" dirty="0"/>
+              <a:t>Excel tool is in ./documentation/ folder in that </a:t>
+            </a:r>
+            <a:r>
+              <a:rPr lang="en-SG" dirty="0" err="1"/>
+              <a:t>github</a:t>
+            </a:r>
+            <a:r>
+              <a:rPr lang="en-SG" dirty="0"/>
+              <a:t> library.</a:t>
+            </a:r>
+          </a:p>
+        </p:txBody>
+      </p:sp>
+    </p:spTree>
+    <p:extLst>
+      <p:ext uri="{BB962C8B-B14F-4D97-AF65-F5344CB8AC3E}">
+        <p14:creationId xmlns:p14="http://schemas.microsoft.com/office/powerpoint/2010/main" val="1533182655"/>
+      </p:ext>
+    </p:extLst>
+  </p:cSld>
+  <p:clrMapOvr>
+    <a:masterClrMapping/>
+  </p:clrMapOvr>
+</p:sld>
+</file>
+
+<file path=ppt/slides/slide25.xml><?xml version="1.0" encoding="utf-8"?>
+<p:sld xmlns:a="http://schemas.openxmlformats.org/drawingml/2006/main" xmlns:r="http://schemas.openxmlformats.org/officeDocument/2006/relationships" xmlns:p="http://schemas.openxmlformats.org/presentationml/2006/main">
+  <p:cSld>
+    <p:spTree>
+      <p:nvGrpSpPr>
+        <p:cNvPr id="1" name=""/>
+        <p:cNvGrpSpPr/>
+        <p:nvPr/>
+      </p:nvGrpSpPr>
+      <p:grpSpPr>
+        <a:xfrm>
+          <a:off x="0" y="0"/>
+          <a:ext cx="0" cy="0"/>
+          <a:chOff x="0" y="0"/>
+          <a:chExt cx="0" cy="0"/>
+        </a:xfrm>
+      </p:grpSpPr>
+      <p:sp>
+        <p:nvSpPr>
+          <p:cNvPr id="2" name="Title 1">
+            <a:extLst>
+              <a:ext uri="{FF2B5EF4-FFF2-40B4-BE49-F238E27FC236}">
                 <a16:creationId xmlns:a16="http://schemas.microsoft.com/office/drawing/2014/main" id="{23013A6F-15EA-1D40-7140-47C3AE8EE7AC}"/>
               </a:ext>
             </a:extLst>
@@ -9974,7 +10295,7 @@
 </p:sld>
 </file>
 
-<file path=ppt/slides/slide25.xml><?xml version="1.0" encoding="utf-8"?>
+<file path=ppt/slides/slide26.xml><?xml version="1.0" encoding="utf-8"?>
 <p:sld xmlns:a="http://schemas.openxmlformats.org/drawingml/2006/main" xmlns:r="http://schemas.openxmlformats.org/officeDocument/2006/relationships" xmlns:p="http://schemas.openxmlformats.org/presentationml/2006/main">
   <p:cSld>
     <p:spTree>
@@ -10092,138 +10413,6 @@
 </p:sld>
 </file>
 
-<file path=ppt/slides/slide26.xml><?xml version="1.0" encoding="utf-8"?>
-<p:sld xmlns:a="http://schemas.openxmlformats.org/drawingml/2006/main" xmlns:r="http://schemas.openxmlformats.org/officeDocument/2006/relationships" xmlns:p="http://schemas.openxmlformats.org/presentationml/2006/main">
-  <p:cSld>
-    <p:spTree>
-      <p:nvGrpSpPr>
-        <p:cNvPr id="1" name=""/>
-        <p:cNvGrpSpPr/>
-        <p:nvPr/>
-      </p:nvGrpSpPr>
-      <p:grpSpPr>
-        <a:xfrm>
-          <a:off x="0" y="0"/>
-          <a:ext cx="0" cy="0"/>
-          <a:chOff x="0" y="0"/>
-          <a:chExt cx="0" cy="0"/>
-        </a:xfrm>
-      </p:grpSpPr>
-      <p:sp>
-        <p:nvSpPr>
-          <p:cNvPr id="2" name="Title 1">
-            <a:extLst>
-              <a:ext uri="{FF2B5EF4-FFF2-40B4-BE49-F238E27FC236}">
-                <a16:creationId xmlns:a16="http://schemas.microsoft.com/office/drawing/2014/main" id="{6667781E-8375-9699-47AF-DF39313C71C1}"/>
-              </a:ext>
-            </a:extLst>
-          </p:cNvPr>
-          <p:cNvSpPr>
-            <a:spLocks noGrp="1"/>
-          </p:cNvSpPr>
-          <p:nvPr>
-            <p:ph type="title"/>
-          </p:nvPr>
-        </p:nvSpPr>
-        <p:spPr/>
-        <p:txBody>
-          <a:bodyPr>
-            <a:normAutofit/>
-          </a:bodyPr>
-          <a:lstStyle/>
-          <a:p>
-            <a:r>
-              <a:rPr lang="en-SG" b="0" i="0" dirty="0">
-                <a:solidFill>
-                  <a:srgbClr val="24292F"/>
-                </a:solidFill>
-                <a:effectLst/>
-                <a:latin typeface="-apple-system"/>
-              </a:rPr>
-              <a:t>MESE Decomposition method</a:t>
-            </a:r>
-            <a:endParaRPr lang="en-SG" i="1" dirty="0"/>
-          </a:p>
-        </p:txBody>
-      </p:sp>
-      <p:sp>
-        <p:nvSpPr>
-          <p:cNvPr id="3" name="Content Placeholder 2">
-            <a:extLst>
-              <a:ext uri="{FF2B5EF4-FFF2-40B4-BE49-F238E27FC236}">
-                <a16:creationId xmlns:a16="http://schemas.microsoft.com/office/drawing/2014/main" id="{8D2DCE59-DD78-3B74-79EF-E991F5D631DC}"/>
-              </a:ext>
-            </a:extLst>
-          </p:cNvPr>
-          <p:cNvSpPr>
-            <a:spLocks noGrp="1"/>
-          </p:cNvSpPr>
-          <p:nvPr>
-            <p:ph idx="1"/>
-          </p:nvPr>
-        </p:nvSpPr>
-        <p:spPr/>
-        <p:txBody>
-          <a:bodyPr/>
-          <a:lstStyle/>
-          <a:p>
-            <a:r>
-              <a:rPr lang="en-US" dirty="0">
-                <a:solidFill>
-                  <a:srgbClr val="24292F"/>
-                </a:solidFill>
-                <a:latin typeface="-apple-system"/>
-              </a:rPr>
-              <a:t>“</a:t>
-            </a:r>
-            <a:r>
-              <a:rPr lang="en-US" b="0" i="1" dirty="0">
-                <a:solidFill>
-                  <a:srgbClr val="24292F"/>
-                </a:solidFill>
-                <a:effectLst/>
-                <a:latin typeface="-apple-system"/>
-              </a:rPr>
-              <a:t>In particular, structure effects calculated with the LMDI cannot be interpreted as the sole effect of changes between energy-efficient and inefficient sectors</a:t>
-            </a:r>
-            <a:r>
-              <a:rPr lang="en-US" b="0" i="0" dirty="0">
-                <a:solidFill>
-                  <a:srgbClr val="24292F"/>
-                </a:solidFill>
-                <a:effectLst/>
-                <a:latin typeface="-apple-system"/>
-              </a:rPr>
-              <a:t>“</a:t>
-            </a:r>
-          </a:p>
-          <a:p>
-            <a:r>
-              <a:rPr lang="en-US" dirty="0">
-                <a:solidFill>
-                  <a:srgbClr val="24292F"/>
-                </a:solidFill>
-                <a:latin typeface="-apple-system"/>
-              </a:rPr>
-              <a:t>Basically it’s a more correct version of LMDI, however I can’t find a clear formula for how it works.</a:t>
-            </a:r>
-            <a:endParaRPr lang="en-SG" dirty="0"/>
-          </a:p>
-        </p:txBody>
-      </p:sp>
-    </p:spTree>
-    <p:extLst>
-      <p:ext uri="{BB962C8B-B14F-4D97-AF65-F5344CB8AC3E}">
-        <p14:creationId xmlns:p14="http://schemas.microsoft.com/office/powerpoint/2010/main" val="184603066"/>
-      </p:ext>
-    </p:extLst>
-  </p:cSld>
-  <p:clrMapOvr>
-    <a:masterClrMapping/>
-  </p:clrMapOvr>
-</p:sld>
-</file>
-
 <file path=ppt/slides/slide27.xml><?xml version="1.0" encoding="utf-8"?>
 <p:sld xmlns:a="http://schemas.openxmlformats.org/drawingml/2006/main" xmlns:r="http://schemas.openxmlformats.org/officeDocument/2006/relationships" xmlns:p="http://schemas.openxmlformats.org/presentationml/2006/main">
   <p:cSld>
@@ -10246,7 +10435,7 @@
           <p:cNvPr id="2" name="Title 1">
             <a:extLst>
               <a:ext uri="{FF2B5EF4-FFF2-40B4-BE49-F238E27FC236}">
-                <a16:creationId xmlns:a16="http://schemas.microsoft.com/office/drawing/2014/main" id="{59DE02A8-0D76-30CF-2D92-AA83CC7DAA2D}"/>
+                <a16:creationId xmlns:a16="http://schemas.microsoft.com/office/drawing/2014/main" id="{6667781E-8375-9699-47AF-DF39313C71C1}"/>
               </a:ext>
             </a:extLst>
           </p:cNvPr>
@@ -10259,165 +10448,85 @@
         </p:nvSpPr>
         <p:spPr/>
         <p:txBody>
+          <a:bodyPr>
+            <a:normAutofit/>
+          </a:bodyPr>
+          <a:lstStyle/>
+          <a:p>
+            <a:r>
+              <a:rPr lang="en-SG" b="0" i="0" dirty="0">
+                <a:solidFill>
+                  <a:srgbClr val="24292F"/>
+                </a:solidFill>
+                <a:effectLst/>
+                <a:latin typeface="-apple-system"/>
+              </a:rPr>
+              <a:t>MESE Decomposition method</a:t>
+            </a:r>
+            <a:endParaRPr lang="en-SG" i="1" dirty="0"/>
+          </a:p>
+        </p:txBody>
+      </p:sp>
+      <p:sp>
+        <p:nvSpPr>
+          <p:cNvPr id="3" name="Content Placeholder 2">
+            <a:extLst>
+              <a:ext uri="{FF2B5EF4-FFF2-40B4-BE49-F238E27FC236}">
+                <a16:creationId xmlns:a16="http://schemas.microsoft.com/office/drawing/2014/main" id="{8D2DCE59-DD78-3B74-79EF-E991F5D631DC}"/>
+              </a:ext>
+            </a:extLst>
+          </p:cNvPr>
+          <p:cNvSpPr>
+            <a:spLocks noGrp="1"/>
+          </p:cNvSpPr>
+          <p:nvPr>
+            <p:ph idx="1"/>
+          </p:nvPr>
+        </p:nvSpPr>
+        <p:spPr/>
+        <p:txBody>
           <a:bodyPr/>
           <a:lstStyle/>
           <a:p>
             <a:r>
-              <a:rPr lang="en-US" dirty="0" err="1"/>
-              <a:t>Enerdata</a:t>
-            </a:r>
-            <a:r>
-              <a:rPr lang="en-US" dirty="0"/>
-              <a:t> methods</a:t>
-            </a:r>
-            <a:endParaRPr lang="en-SG" dirty="0"/>
-          </a:p>
-        </p:txBody>
-      </p:sp>
-      <p:pic>
-        <p:nvPicPr>
-          <p:cNvPr id="5" name="Content Placeholder 4">
-            <a:extLst>
-              <a:ext uri="{FF2B5EF4-FFF2-40B4-BE49-F238E27FC236}">
-                <a16:creationId xmlns:a16="http://schemas.microsoft.com/office/drawing/2014/main" id="{6733FAE3-AD4A-25C3-58E6-16E9D45F2885}"/>
-              </a:ext>
-            </a:extLst>
-          </p:cNvPr>
-          <p:cNvPicPr>
-            <a:picLocks noGrp="1" noChangeAspect="1"/>
-          </p:cNvPicPr>
-          <p:nvPr>
-            <p:ph idx="1"/>
-          </p:nvPr>
-        </p:nvPicPr>
-        <p:blipFill>
-          <a:blip r:embed="rId2"/>
-          <a:stretch>
-            <a:fillRect/>
-          </a:stretch>
-        </p:blipFill>
-        <p:spPr>
-          <a:xfrm>
-            <a:off x="838200" y="4826380"/>
-            <a:ext cx="3751750" cy="1181919"/>
-          </a:xfrm>
-        </p:spPr>
-      </p:pic>
-      <p:pic>
-        <p:nvPicPr>
-          <p:cNvPr id="7" name="Picture 6">
-            <a:extLst>
-              <a:ext uri="{FF2B5EF4-FFF2-40B4-BE49-F238E27FC236}">
-                <a16:creationId xmlns:a16="http://schemas.microsoft.com/office/drawing/2014/main" id="{FEABD9E0-222A-A197-19D6-78D3C7A67992}"/>
-              </a:ext>
-            </a:extLst>
-          </p:cNvPr>
-          <p:cNvPicPr>
-            <a:picLocks noChangeAspect="1"/>
-          </p:cNvPicPr>
-          <p:nvPr/>
-        </p:nvPicPr>
-        <p:blipFill>
-          <a:blip r:embed="rId3"/>
-          <a:stretch>
-            <a:fillRect/>
-          </a:stretch>
-        </p:blipFill>
-        <p:spPr>
-          <a:xfrm>
-            <a:off x="6710184" y="262656"/>
-            <a:ext cx="4730129" cy="3027282"/>
-          </a:xfrm>
-          <a:prstGeom prst="rect">
-            <a:avLst/>
-          </a:prstGeom>
-        </p:spPr>
-      </p:pic>
-      <p:pic>
-        <p:nvPicPr>
-          <p:cNvPr id="9" name="Picture 8">
-            <a:extLst>
-              <a:ext uri="{FF2B5EF4-FFF2-40B4-BE49-F238E27FC236}">
-                <a16:creationId xmlns:a16="http://schemas.microsoft.com/office/drawing/2014/main" id="{F2B04FE5-D4B4-81D3-C6D3-7767EA54394A}"/>
-              </a:ext>
-            </a:extLst>
-          </p:cNvPr>
-          <p:cNvPicPr>
-            <a:picLocks noChangeAspect="1"/>
-          </p:cNvPicPr>
-          <p:nvPr/>
-        </p:nvPicPr>
-        <p:blipFill>
-          <a:blip r:embed="rId4"/>
-          <a:stretch>
-            <a:fillRect/>
-          </a:stretch>
-        </p:blipFill>
-        <p:spPr>
-          <a:xfrm>
-            <a:off x="6710184" y="3429000"/>
-            <a:ext cx="4860828" cy="3317278"/>
-          </a:xfrm>
-          <a:prstGeom prst="rect">
-            <a:avLst/>
-          </a:prstGeom>
-        </p:spPr>
-      </p:pic>
-      <p:sp>
-        <p:nvSpPr>
-          <p:cNvPr id="10" name="TextBox 9">
-            <a:extLst>
-              <a:ext uri="{FF2B5EF4-FFF2-40B4-BE49-F238E27FC236}">
-                <a16:creationId xmlns:a16="http://schemas.microsoft.com/office/drawing/2014/main" id="{6F18F6EA-123D-FD4C-51AC-CA1195A25557}"/>
-              </a:ext>
-            </a:extLst>
-          </p:cNvPr>
-          <p:cNvSpPr txBox="1"/>
-          <p:nvPr/>
-        </p:nvSpPr>
-        <p:spPr>
-          <a:xfrm>
-            <a:off x="419386" y="1381913"/>
-            <a:ext cx="5919537" cy="1477328"/>
-          </a:xfrm>
-          <a:prstGeom prst="rect">
-            <a:avLst/>
-          </a:prstGeom>
-          <a:noFill/>
-        </p:spPr>
-        <p:txBody>
-          <a:bodyPr wrap="square" rtlCol="0">
-            <a:spAutoFit/>
-          </a:bodyPr>
-          <a:lstStyle/>
-          <a:p>
-            <a:pPr marL="285750" indent="-285750">
-              <a:buFont typeface="Arial" panose="020B0604020202020204" pitchFamily="34" charset="0"/>
-              <a:buChar char="•"/>
-            </a:pPr>
-            <a:r>
-              <a:rPr lang="en-US" dirty="0"/>
-              <a:t>Intended to reduce complexity of LMDI method. Could be useful to look into</a:t>
-            </a:r>
-          </a:p>
-          <a:p>
-            <a:pPr marL="285750" indent="-285750">
-              <a:buFont typeface="Arial" panose="020B0604020202020204" pitchFamily="34" charset="0"/>
-              <a:buChar char="•"/>
-            </a:pPr>
-            <a:r>
-              <a:rPr lang="en-US" dirty="0"/>
-              <a:t>But there are different methods for each sector.</a:t>
-            </a:r>
-          </a:p>
-          <a:p>
-            <a:pPr marL="742950" lvl="1" indent="-285750">
-              <a:buFont typeface="Arial" panose="020B0604020202020204" pitchFamily="34" charset="0"/>
-              <a:buChar char="•"/>
-            </a:pPr>
-            <a:r>
-              <a:rPr lang="en-US" dirty="0"/>
-              <a:t>So could argue that LMDI method is less complicated?</a:t>
+              <a:rPr lang="en-US" dirty="0">
+                <a:solidFill>
+                  <a:srgbClr val="24292F"/>
+                </a:solidFill>
+                <a:latin typeface="-apple-system"/>
+              </a:rPr>
+              <a:t>“</a:t>
+            </a:r>
+            <a:r>
+              <a:rPr lang="en-US" b="0" i="1" dirty="0">
+                <a:solidFill>
+                  <a:srgbClr val="24292F"/>
+                </a:solidFill>
+                <a:effectLst/>
+                <a:latin typeface="-apple-system"/>
+              </a:rPr>
+              <a:t>In particular, structure effects calculated with the LMDI cannot be interpreted as the sole effect of changes between energy-efficient and inefficient sectors</a:t>
+            </a:r>
+            <a:r>
+              <a:rPr lang="en-US" b="0" i="0" dirty="0">
+                <a:solidFill>
+                  <a:srgbClr val="24292F"/>
+                </a:solidFill>
+                <a:effectLst/>
+                <a:latin typeface="-apple-system"/>
+              </a:rPr>
+              <a:t>“</a:t>
+            </a:r>
+          </a:p>
+          <a:p>
+            <a:r>
+              <a:rPr lang="en-US" dirty="0">
+                <a:solidFill>
+                  <a:srgbClr val="24292F"/>
+                </a:solidFill>
+                <a:latin typeface="-apple-system"/>
+              </a:rPr>
+              <a:t>Basically it’s a more correct version of LMDI, however I can’t find a clear formula for how it works.</a:t>
             </a:r>
             <a:endParaRPr lang="en-SG" dirty="0"/>
           </a:p>
@@ -10426,7 +10535,7 @@
     </p:spTree>
     <p:extLst>
       <p:ext uri="{BB962C8B-B14F-4D97-AF65-F5344CB8AC3E}">
-        <p14:creationId xmlns:p14="http://schemas.microsoft.com/office/powerpoint/2010/main" val="2154590658"/>
+        <p14:creationId xmlns:p14="http://schemas.microsoft.com/office/powerpoint/2010/main" val="184603066"/>
       </p:ext>
     </p:extLst>
   </p:cSld>
@@ -10458,7 +10567,7 @@
           <p:cNvPr id="2" name="Title 1">
             <a:extLst>
               <a:ext uri="{FF2B5EF4-FFF2-40B4-BE49-F238E27FC236}">
-                <a16:creationId xmlns:a16="http://schemas.microsoft.com/office/drawing/2014/main" id="{B0C07F6E-3AB1-5800-E559-71C95B18BAE8}"/>
+                <a16:creationId xmlns:a16="http://schemas.microsoft.com/office/drawing/2014/main" id="{59DE02A8-0D76-30CF-2D92-AA83CC7DAA2D}"/>
               </a:ext>
             </a:extLst>
           </p:cNvPr>
@@ -10475,41 +10584,161 @@
           <a:lstStyle/>
           <a:p>
             <a:r>
+              <a:rPr lang="en-US" dirty="0" err="1"/>
+              <a:t>Enerdata</a:t>
+            </a:r>
+            <a:r>
               <a:rPr lang="en-US" dirty="0"/>
-              <a:t>I think there are many other methods for decomposition too!</a:t>
+              <a:t> methods</a:t>
             </a:r>
             <a:endParaRPr lang="en-SG" dirty="0"/>
           </a:p>
         </p:txBody>
       </p:sp>
-      <p:sp>
-        <p:nvSpPr>
-          <p:cNvPr id="3" name="Content Placeholder 2">
-            <a:extLst>
-              <a:ext uri="{FF2B5EF4-FFF2-40B4-BE49-F238E27FC236}">
-                <a16:creationId xmlns:a16="http://schemas.microsoft.com/office/drawing/2014/main" id="{CFA3975C-480B-38E0-D7D5-8A8D49D92ADB}"/>
-              </a:ext>
-            </a:extLst>
-          </p:cNvPr>
-          <p:cNvSpPr>
-            <a:spLocks noGrp="1"/>
-          </p:cNvSpPr>
+      <p:pic>
+        <p:nvPicPr>
+          <p:cNvPr id="5" name="Content Placeholder 4">
+            <a:extLst>
+              <a:ext uri="{FF2B5EF4-FFF2-40B4-BE49-F238E27FC236}">
+                <a16:creationId xmlns:a16="http://schemas.microsoft.com/office/drawing/2014/main" id="{6733FAE3-AD4A-25C3-58E6-16E9D45F2885}"/>
+              </a:ext>
+            </a:extLst>
+          </p:cNvPr>
+          <p:cNvPicPr>
+            <a:picLocks noGrp="1" noChangeAspect="1"/>
+          </p:cNvPicPr>
           <p:nvPr>
             <p:ph idx="1"/>
           </p:nvPr>
-        </p:nvSpPr>
-        <p:spPr/>
-        <p:txBody>
-          <a:bodyPr/>
-          <a:lstStyle/>
-          <a:p>
-            <a:r>
-              <a:rPr lang="en-US" dirty="0" err="1"/>
-              <a:t>Laspereys</a:t>
-            </a:r>
+        </p:nvPicPr>
+        <p:blipFill>
+          <a:blip r:embed="rId2"/>
+          <a:stretch>
+            <a:fillRect/>
+          </a:stretch>
+        </p:blipFill>
+        <p:spPr>
+          <a:xfrm>
+            <a:off x="838200" y="4826380"/>
+            <a:ext cx="3751750" cy="1181919"/>
+          </a:xfrm>
+        </p:spPr>
+      </p:pic>
+      <p:pic>
+        <p:nvPicPr>
+          <p:cNvPr id="7" name="Picture 6">
+            <a:extLst>
+              <a:ext uri="{FF2B5EF4-FFF2-40B4-BE49-F238E27FC236}">
+                <a16:creationId xmlns:a16="http://schemas.microsoft.com/office/drawing/2014/main" id="{FEABD9E0-222A-A197-19D6-78D3C7A67992}"/>
+              </a:ext>
+            </a:extLst>
+          </p:cNvPr>
+          <p:cNvPicPr>
+            <a:picLocks noChangeAspect="1"/>
+          </p:cNvPicPr>
+          <p:nvPr/>
+        </p:nvPicPr>
+        <p:blipFill>
+          <a:blip r:embed="rId3"/>
+          <a:stretch>
+            <a:fillRect/>
+          </a:stretch>
+        </p:blipFill>
+        <p:spPr>
+          <a:xfrm>
+            <a:off x="6710184" y="262656"/>
+            <a:ext cx="4730129" cy="3027282"/>
+          </a:xfrm>
+          <a:prstGeom prst="rect">
+            <a:avLst/>
+          </a:prstGeom>
+        </p:spPr>
+      </p:pic>
+      <p:pic>
+        <p:nvPicPr>
+          <p:cNvPr id="9" name="Picture 8">
+            <a:extLst>
+              <a:ext uri="{FF2B5EF4-FFF2-40B4-BE49-F238E27FC236}">
+                <a16:creationId xmlns:a16="http://schemas.microsoft.com/office/drawing/2014/main" id="{F2B04FE5-D4B4-81D3-C6D3-7767EA54394A}"/>
+              </a:ext>
+            </a:extLst>
+          </p:cNvPr>
+          <p:cNvPicPr>
+            <a:picLocks noChangeAspect="1"/>
+          </p:cNvPicPr>
+          <p:nvPr/>
+        </p:nvPicPr>
+        <p:blipFill>
+          <a:blip r:embed="rId4"/>
+          <a:stretch>
+            <a:fillRect/>
+          </a:stretch>
+        </p:blipFill>
+        <p:spPr>
+          <a:xfrm>
+            <a:off x="6710184" y="3429000"/>
+            <a:ext cx="4860828" cy="3317278"/>
+          </a:xfrm>
+          <a:prstGeom prst="rect">
+            <a:avLst/>
+          </a:prstGeom>
+        </p:spPr>
+      </p:pic>
+      <p:sp>
+        <p:nvSpPr>
+          <p:cNvPr id="10" name="TextBox 9">
+            <a:extLst>
+              <a:ext uri="{FF2B5EF4-FFF2-40B4-BE49-F238E27FC236}">
+                <a16:creationId xmlns:a16="http://schemas.microsoft.com/office/drawing/2014/main" id="{6F18F6EA-123D-FD4C-51AC-CA1195A25557}"/>
+              </a:ext>
+            </a:extLst>
+          </p:cNvPr>
+          <p:cNvSpPr txBox="1"/>
+          <p:nvPr/>
+        </p:nvSpPr>
+        <p:spPr>
+          <a:xfrm>
+            <a:off x="419386" y="1381913"/>
+            <a:ext cx="5919537" cy="1477328"/>
+          </a:xfrm>
+          <a:prstGeom prst="rect">
+            <a:avLst/>
+          </a:prstGeom>
+          <a:noFill/>
+        </p:spPr>
+        <p:txBody>
+          <a:bodyPr wrap="square" rtlCol="0">
+            <a:spAutoFit/>
+          </a:bodyPr>
+          <a:lstStyle/>
+          <a:p>
+            <a:pPr marL="285750" indent="-285750">
+              <a:buFont typeface="Arial" panose="020B0604020202020204" pitchFamily="34" charset="0"/>
+              <a:buChar char="•"/>
+            </a:pPr>
             <a:r>
               <a:rPr lang="en-US" dirty="0"/>
-              <a:t> index?</a:t>
+              <a:t>Intended to reduce complexity of LMDI method. Could be useful to look into</a:t>
+            </a:r>
+          </a:p>
+          <a:p>
+            <a:pPr marL="285750" indent="-285750">
+              <a:buFont typeface="Arial" panose="020B0604020202020204" pitchFamily="34" charset="0"/>
+              <a:buChar char="•"/>
+            </a:pPr>
+            <a:r>
+              <a:rPr lang="en-US" dirty="0"/>
+              <a:t>But there are different methods for each sector.</a:t>
+            </a:r>
+          </a:p>
+          <a:p>
+            <a:pPr marL="742950" lvl="1" indent="-285750">
+              <a:buFont typeface="Arial" panose="020B0604020202020204" pitchFamily="34" charset="0"/>
+              <a:buChar char="•"/>
+            </a:pPr>
+            <a:r>
+              <a:rPr lang="en-US" dirty="0"/>
+              <a:t>So could argue that LMDI method is less complicated?</a:t>
             </a:r>
             <a:endParaRPr lang="en-SG" dirty="0"/>
           </a:p>
@@ -10518,7 +10747,7 @@
     </p:spTree>
     <p:extLst>
       <p:ext uri="{BB962C8B-B14F-4D97-AF65-F5344CB8AC3E}">
-        <p14:creationId xmlns:p14="http://schemas.microsoft.com/office/powerpoint/2010/main" val="802028125"/>
+        <p14:creationId xmlns:p14="http://schemas.microsoft.com/office/powerpoint/2010/main" val="2154590658"/>
       </p:ext>
     </p:extLst>
   </p:cSld>
@@ -10550,7 +10779,7 @@
           <p:cNvPr id="2" name="Title 1">
             <a:extLst>
               <a:ext uri="{FF2B5EF4-FFF2-40B4-BE49-F238E27FC236}">
-                <a16:creationId xmlns:a16="http://schemas.microsoft.com/office/drawing/2014/main" id="{4DD41299-3443-AD3A-D340-F21F71572430}"/>
+                <a16:creationId xmlns:a16="http://schemas.microsoft.com/office/drawing/2014/main" id="{B0C07F6E-3AB1-5800-E559-71C95B18BAE8}"/>
               </a:ext>
             </a:extLst>
           </p:cNvPr>
@@ -10566,7 +10795,11 @@
           <a:bodyPr/>
           <a:lstStyle/>
           <a:p>
-            <a:endParaRPr lang="en-SG"/>
+            <a:r>
+              <a:rPr lang="en-US" dirty="0"/>
+              <a:t>I think there are many other methods for decomposition too!</a:t>
+            </a:r>
+            <a:endParaRPr lang="en-SG" dirty="0"/>
           </a:p>
         </p:txBody>
       </p:sp>
@@ -10575,7 +10808,7 @@
           <p:cNvPr id="3" name="Content Placeholder 2">
             <a:extLst>
               <a:ext uri="{FF2B5EF4-FFF2-40B4-BE49-F238E27FC236}">
-                <a16:creationId xmlns:a16="http://schemas.microsoft.com/office/drawing/2014/main" id="{3D1C7FBD-EF97-5E48-315C-D927420FB956}"/>
+                <a16:creationId xmlns:a16="http://schemas.microsoft.com/office/drawing/2014/main" id="{CFA3975C-480B-38E0-D7D5-8A8D49D92ADB}"/>
               </a:ext>
             </a:extLst>
           </p:cNvPr>
@@ -10591,14 +10824,22 @@
           <a:bodyPr/>
           <a:lstStyle/>
           <a:p>
-            <a:endParaRPr lang="en-SG"/>
+            <a:r>
+              <a:rPr lang="en-US" dirty="0" err="1"/>
+              <a:t>Laspereys</a:t>
+            </a:r>
+            <a:r>
+              <a:rPr lang="en-US" dirty="0"/>
+              <a:t> index?</a:t>
+            </a:r>
+            <a:endParaRPr lang="en-SG" dirty="0"/>
           </a:p>
         </p:txBody>
       </p:sp>
     </p:spTree>
     <p:extLst>
       <p:ext uri="{BB962C8B-B14F-4D97-AF65-F5344CB8AC3E}">
-        <p14:creationId xmlns:p14="http://schemas.microsoft.com/office/powerpoint/2010/main" val="1527897161"/>
+        <p14:creationId xmlns:p14="http://schemas.microsoft.com/office/powerpoint/2010/main" val="802028125"/>
       </p:ext>
     </p:extLst>
   </p:cSld>
@@ -10688,6 +10929,86 @@
     <p:extLst>
       <p:ext uri="{BB962C8B-B14F-4D97-AF65-F5344CB8AC3E}">
         <p14:creationId xmlns:p14="http://schemas.microsoft.com/office/powerpoint/2010/main" val="3752460506"/>
+      </p:ext>
+    </p:extLst>
+  </p:cSld>
+  <p:clrMapOvr>
+    <a:masterClrMapping/>
+  </p:clrMapOvr>
+</p:sld>
+</file>
+
+<file path=ppt/slides/slide30.xml><?xml version="1.0" encoding="utf-8"?>
+<p:sld xmlns:a="http://schemas.openxmlformats.org/drawingml/2006/main" xmlns:r="http://schemas.openxmlformats.org/officeDocument/2006/relationships" xmlns:p="http://schemas.openxmlformats.org/presentationml/2006/main">
+  <p:cSld>
+    <p:spTree>
+      <p:nvGrpSpPr>
+        <p:cNvPr id="1" name=""/>
+        <p:cNvGrpSpPr/>
+        <p:nvPr/>
+      </p:nvGrpSpPr>
+      <p:grpSpPr>
+        <a:xfrm>
+          <a:off x="0" y="0"/>
+          <a:ext cx="0" cy="0"/>
+          <a:chOff x="0" y="0"/>
+          <a:chExt cx="0" cy="0"/>
+        </a:xfrm>
+      </p:grpSpPr>
+      <p:sp>
+        <p:nvSpPr>
+          <p:cNvPr id="2" name="Title 1">
+            <a:extLst>
+              <a:ext uri="{FF2B5EF4-FFF2-40B4-BE49-F238E27FC236}">
+                <a16:creationId xmlns:a16="http://schemas.microsoft.com/office/drawing/2014/main" id="{4DD41299-3443-AD3A-D340-F21F71572430}"/>
+              </a:ext>
+            </a:extLst>
+          </p:cNvPr>
+          <p:cNvSpPr>
+            <a:spLocks noGrp="1"/>
+          </p:cNvSpPr>
+          <p:nvPr>
+            <p:ph type="title"/>
+          </p:nvPr>
+        </p:nvSpPr>
+        <p:spPr/>
+        <p:txBody>
+          <a:bodyPr/>
+          <a:lstStyle/>
+          <a:p>
+            <a:endParaRPr lang="en-SG"/>
+          </a:p>
+        </p:txBody>
+      </p:sp>
+      <p:sp>
+        <p:nvSpPr>
+          <p:cNvPr id="3" name="Content Placeholder 2">
+            <a:extLst>
+              <a:ext uri="{FF2B5EF4-FFF2-40B4-BE49-F238E27FC236}">
+                <a16:creationId xmlns:a16="http://schemas.microsoft.com/office/drawing/2014/main" id="{3D1C7FBD-EF97-5E48-315C-D927420FB956}"/>
+              </a:ext>
+            </a:extLst>
+          </p:cNvPr>
+          <p:cNvSpPr>
+            <a:spLocks noGrp="1"/>
+          </p:cNvSpPr>
+          <p:nvPr>
+            <p:ph idx="1"/>
+          </p:nvPr>
+        </p:nvSpPr>
+        <p:spPr/>
+        <p:txBody>
+          <a:bodyPr/>
+          <a:lstStyle/>
+          <a:p>
+            <a:endParaRPr lang="en-SG"/>
+          </a:p>
+        </p:txBody>
+      </p:sp>
+    </p:spTree>
+    <p:extLst>
+      <p:ext uri="{BB962C8B-B14F-4D97-AF65-F5344CB8AC3E}">
+        <p14:creationId xmlns:p14="http://schemas.microsoft.com/office/powerpoint/2010/main" val="1527897161"/>
       </p:ext>
     </p:extLst>
   </p:cSld>
@@ -10866,7 +11187,7 @@
           </p:nvPr>
         </p:nvPicPr>
         <p:blipFill>
-          <a:blip r:embed="rId2"/>
+          <a:blip r:embed="rId3"/>
           <a:stretch>
             <a:fillRect/>
           </a:stretch>
@@ -10893,7 +11214,7 @@
           <p:nvPr/>
         </p:nvPicPr>
         <p:blipFill>
-          <a:blip r:embed="rId3"/>
+          <a:blip r:embed="rId4"/>
           <a:stretch>
             <a:fillRect/>
           </a:stretch>
